--- a/Note.pptx
+++ b/Note.pptx
@@ -6,6 +6,14 @@
   </p:sldMasterIdLst>
   <p:sldIdLst>
     <p:sldId id="256" r:id="rId2"/>
+    <p:sldId id="257" r:id="rId3"/>
+    <p:sldId id="258" r:id="rId4"/>
+    <p:sldId id="259" r:id="rId5"/>
+    <p:sldId id="260" r:id="rId6"/>
+    <p:sldId id="261" r:id="rId7"/>
+    <p:sldId id="262" r:id="rId8"/>
+    <p:sldId id="263" r:id="rId9"/>
+    <p:sldId id="264" r:id="rId10"/>
   </p:sldIdLst>
   <p:sldSz cx="12192000" cy="6858000"/>
   <p:notesSz cx="6858000" cy="9144000"/>
@@ -104,12 +112,18 @@
       </a:defRPr>
     </a:lvl9pPr>
   </p:defaultTextStyle>
+  <p:extLst>
+    <p:ext uri="{EFAFB233-063F-42B5-8137-9DF3F51BA10A}">
+      <p15:sldGuideLst xmlns:p15="http://schemas.microsoft.com/office/powerpoint/2012/main"/>
+    </p:ext>
+  </p:extLst>
 </p:presentation>
 </file>
 
 <file path=ppt/revisionInfo.xml><?xml version="1.0" encoding="utf-8"?>
 <p1510:revInfo xmlns:a="http://schemas.openxmlformats.org/drawingml/2006/main" xmlns:r="http://schemas.openxmlformats.org/officeDocument/2006/relationships" xmlns:p1510="http://schemas.microsoft.com/office/powerpoint/2015/10/main">
   <p1510:revLst>
+    <p1510:client id="{51E1AACE-B3FE-42F7-8D91-AA55385465B2}" v="3" dt="2024-01-13T04:43:18.087"/>
     <p1510:client id="{F358CAFC-881D-4067-A9EB-64A6D4B19767}" v="1" dt="2024-01-12T17:27:39.521"/>
   </p1510:revLst>
 </p1510:revInfo>
@@ -154,6 +168,182 @@
             <ac:spMk id="4" creationId="{5EF6C24C-476F-490E-0332-CADF9298296E}"/>
           </ac:spMkLst>
         </pc:spChg>
+      </pc:sldChg>
+    </pc:docChg>
+  </pc:docChgLst>
+  <pc:docChgLst>
+    <pc:chgData name="witaya chaison" userId="aafc0013979b2c41" providerId="LiveId" clId="{51E1AACE-B3FE-42F7-8D91-AA55385465B2}"/>
+    <pc:docChg chg="undo custSel addSld modSld">
+      <pc:chgData name="witaya chaison" userId="aafc0013979b2c41" providerId="LiveId" clId="{51E1AACE-B3FE-42F7-8D91-AA55385465B2}" dt="2024-01-13T04:43:40.772" v="228" actId="20577"/>
+      <pc:docMkLst>
+        <pc:docMk/>
+      </pc:docMkLst>
+      <pc:sldChg chg="addSp delSp modSp mod">
+        <pc:chgData name="witaya chaison" userId="aafc0013979b2c41" providerId="LiveId" clId="{51E1AACE-B3FE-42F7-8D91-AA55385465B2}" dt="2024-01-13T00:47:12.107" v="180" actId="20577"/>
+        <pc:sldMkLst>
+          <pc:docMk/>
+          <pc:sldMk cId="2169243720" sldId="256"/>
+        </pc:sldMkLst>
+        <pc:spChg chg="mod">
+          <ac:chgData name="witaya chaison" userId="aafc0013979b2c41" providerId="LiveId" clId="{51E1AACE-B3FE-42F7-8D91-AA55385465B2}" dt="2024-01-13T00:47:12.107" v="180" actId="20577"/>
+          <ac:spMkLst>
+            <pc:docMk/>
+            <pc:sldMk cId="2169243720" sldId="256"/>
+            <ac:spMk id="4" creationId="{5EF6C24C-476F-490E-0332-CADF9298296E}"/>
+          </ac:spMkLst>
+        </pc:spChg>
+        <pc:picChg chg="add del">
+          <ac:chgData name="witaya chaison" userId="aafc0013979b2c41" providerId="LiveId" clId="{51E1AACE-B3FE-42F7-8D91-AA55385465B2}" dt="2024-01-13T00:42:24.149" v="17" actId="22"/>
+          <ac:picMkLst>
+            <pc:docMk/>
+            <pc:sldMk cId="2169243720" sldId="256"/>
+            <ac:picMk id="3" creationId="{685670CE-ECD1-E5EF-D383-23AC9791A72F}"/>
+          </ac:picMkLst>
+        </pc:picChg>
+      </pc:sldChg>
+      <pc:sldChg chg="addSp delSp modSp new mod">
+        <pc:chgData name="witaya chaison" userId="aafc0013979b2c41" providerId="LiveId" clId="{51E1AACE-B3FE-42F7-8D91-AA55385465B2}" dt="2024-01-13T00:45:46.722" v="80" actId="1076"/>
+        <pc:sldMkLst>
+          <pc:docMk/>
+          <pc:sldMk cId="108872571" sldId="257"/>
+        </pc:sldMkLst>
+        <pc:spChg chg="del">
+          <ac:chgData name="witaya chaison" userId="aafc0013979b2c41" providerId="LiveId" clId="{51E1AACE-B3FE-42F7-8D91-AA55385465B2}" dt="2024-01-13T00:42:33.685" v="20" actId="478"/>
+          <ac:spMkLst>
+            <pc:docMk/>
+            <pc:sldMk cId="108872571" sldId="257"/>
+            <ac:spMk id="2" creationId="{5C4E13FD-9E52-E8A2-C187-DE34DCD8A88A}"/>
+          </ac:spMkLst>
+        </pc:spChg>
+        <pc:spChg chg="del">
+          <ac:chgData name="witaya chaison" userId="aafc0013979b2c41" providerId="LiveId" clId="{51E1AACE-B3FE-42F7-8D91-AA55385465B2}" dt="2024-01-13T00:42:34.872" v="21" actId="478"/>
+          <ac:spMkLst>
+            <pc:docMk/>
+            <pc:sldMk cId="108872571" sldId="257"/>
+            <ac:spMk id="3" creationId="{7DC9E994-5DCA-1272-1260-5513D06088DF}"/>
+          </ac:spMkLst>
+        </pc:spChg>
+        <pc:spChg chg="add mod">
+          <ac:chgData name="witaya chaison" userId="aafc0013979b2c41" providerId="LiveId" clId="{51E1AACE-B3FE-42F7-8D91-AA55385465B2}" dt="2024-01-13T00:44:25.990" v="35" actId="207"/>
+          <ac:spMkLst>
+            <pc:docMk/>
+            <pc:sldMk cId="108872571" sldId="257"/>
+            <ac:spMk id="8" creationId="{E3C0003D-4BB2-C608-CB21-D3CFBA95DF8D}"/>
+          </ac:spMkLst>
+        </pc:spChg>
+        <pc:spChg chg="add mod">
+          <ac:chgData name="witaya chaison" userId="aafc0013979b2c41" providerId="LiveId" clId="{51E1AACE-B3FE-42F7-8D91-AA55385465B2}" dt="2024-01-13T00:45:33.956" v="76" actId="1076"/>
+          <ac:spMkLst>
+            <pc:docMk/>
+            <pc:sldMk cId="108872571" sldId="257"/>
+            <ac:spMk id="11" creationId="{41F2E458-D816-7247-B05B-09F38EA01439}"/>
+          </ac:spMkLst>
+        </pc:spChg>
+        <pc:picChg chg="add mod">
+          <ac:chgData name="witaya chaison" userId="aafc0013979b2c41" providerId="LiveId" clId="{51E1AACE-B3FE-42F7-8D91-AA55385465B2}" dt="2024-01-13T00:42:41.925" v="26" actId="1076"/>
+          <ac:picMkLst>
+            <pc:docMk/>
+            <pc:sldMk cId="108872571" sldId="257"/>
+            <ac:picMk id="5" creationId="{05735720-0D45-EA25-4646-E811EB103866}"/>
+          </ac:picMkLst>
+        </pc:picChg>
+        <pc:picChg chg="add mod">
+          <ac:chgData name="witaya chaison" userId="aafc0013979b2c41" providerId="LiveId" clId="{51E1AACE-B3FE-42F7-8D91-AA55385465B2}" dt="2024-01-13T00:44:01.909" v="33" actId="14100"/>
+          <ac:picMkLst>
+            <pc:docMk/>
+            <pc:sldMk cId="108872571" sldId="257"/>
+            <ac:picMk id="7" creationId="{4D5A783D-FC38-5DE0-CC45-999DFF825FA5}"/>
+          </ac:picMkLst>
+        </pc:picChg>
+        <pc:picChg chg="add mod">
+          <ac:chgData name="witaya chaison" userId="aafc0013979b2c41" providerId="LiveId" clId="{51E1AACE-B3FE-42F7-8D91-AA55385465B2}" dt="2024-01-13T00:45:46.722" v="80" actId="1076"/>
+          <ac:picMkLst>
+            <pc:docMk/>
+            <pc:sldMk cId="108872571" sldId="257"/>
+            <ac:picMk id="13" creationId="{5FF1B981-7D1E-9AAD-E1CD-C738401BF337}"/>
+          </ac:picMkLst>
+        </pc:picChg>
+        <pc:cxnChg chg="add">
+          <ac:chgData name="witaya chaison" userId="aafc0013979b2c41" providerId="LiveId" clId="{51E1AACE-B3FE-42F7-8D91-AA55385465B2}" dt="2024-01-13T00:44:32.161" v="36" actId="11529"/>
+          <ac:cxnSpMkLst>
+            <pc:docMk/>
+            <pc:sldMk cId="108872571" sldId="257"/>
+            <ac:cxnSpMk id="10" creationId="{C67F1B11-A265-E11F-C632-5E9E8A2A3F44}"/>
+          </ac:cxnSpMkLst>
+        </pc:cxnChg>
+      </pc:sldChg>
+      <pc:sldChg chg="addSp delSp modSp new mod">
+        <pc:chgData name="witaya chaison" userId="aafc0013979b2c41" providerId="LiveId" clId="{51E1AACE-B3FE-42F7-8D91-AA55385465B2}" dt="2024-01-13T04:43:40.772" v="228" actId="20577"/>
+        <pc:sldMkLst>
+          <pc:docMk/>
+          <pc:sldMk cId="2975294771" sldId="258"/>
+        </pc:sldMkLst>
+        <pc:spChg chg="del">
+          <ac:chgData name="witaya chaison" userId="aafc0013979b2c41" providerId="LiveId" clId="{51E1AACE-B3FE-42F7-8D91-AA55385465B2}" dt="2024-01-13T04:43:11.001" v="187" actId="478"/>
+          <ac:spMkLst>
+            <pc:docMk/>
+            <pc:sldMk cId="2975294771" sldId="258"/>
+            <ac:spMk id="2" creationId="{E7F7CD52-33DD-365F-4A78-8A699C12DF9C}"/>
+          </ac:spMkLst>
+        </pc:spChg>
+        <pc:spChg chg="del">
+          <ac:chgData name="witaya chaison" userId="aafc0013979b2c41" providerId="LiveId" clId="{51E1AACE-B3FE-42F7-8D91-AA55385465B2}" dt="2024-01-13T04:43:12.576" v="188" actId="478"/>
+          <ac:spMkLst>
+            <pc:docMk/>
+            <pc:sldMk cId="2975294771" sldId="258"/>
+            <ac:spMk id="3" creationId="{047AA2A2-48BE-C406-5D71-9F88054F80F7}"/>
+          </ac:spMkLst>
+        </pc:spChg>
+        <pc:spChg chg="add mod">
+          <ac:chgData name="witaya chaison" userId="aafc0013979b2c41" providerId="LiveId" clId="{51E1AACE-B3FE-42F7-8D91-AA55385465B2}" dt="2024-01-13T04:43:40.772" v="228" actId="20577"/>
+          <ac:spMkLst>
+            <pc:docMk/>
+            <pc:sldMk cId="2975294771" sldId="258"/>
+            <ac:spMk id="4" creationId="{135AE14A-F405-25EE-3725-EB25A77DFEA1}"/>
+          </ac:spMkLst>
+        </pc:spChg>
+      </pc:sldChg>
+      <pc:sldChg chg="new">
+        <pc:chgData name="witaya chaison" userId="aafc0013979b2c41" providerId="LiveId" clId="{51E1AACE-B3FE-42F7-8D91-AA55385465B2}" dt="2024-01-13T04:35:42.206" v="181" actId="680"/>
+        <pc:sldMkLst>
+          <pc:docMk/>
+          <pc:sldMk cId="176034305" sldId="259"/>
+        </pc:sldMkLst>
+      </pc:sldChg>
+      <pc:sldChg chg="new">
+        <pc:chgData name="witaya chaison" userId="aafc0013979b2c41" providerId="LiveId" clId="{51E1AACE-B3FE-42F7-8D91-AA55385465B2}" dt="2024-01-13T04:35:43.947" v="182" actId="680"/>
+        <pc:sldMkLst>
+          <pc:docMk/>
+          <pc:sldMk cId="1486535379" sldId="260"/>
+        </pc:sldMkLst>
+      </pc:sldChg>
+      <pc:sldChg chg="new">
+        <pc:chgData name="witaya chaison" userId="aafc0013979b2c41" providerId="LiveId" clId="{51E1AACE-B3FE-42F7-8D91-AA55385465B2}" dt="2024-01-13T04:35:46.624" v="183" actId="680"/>
+        <pc:sldMkLst>
+          <pc:docMk/>
+          <pc:sldMk cId="2401643237" sldId="261"/>
+        </pc:sldMkLst>
+      </pc:sldChg>
+      <pc:sldChg chg="new">
+        <pc:chgData name="witaya chaison" userId="aafc0013979b2c41" providerId="LiveId" clId="{51E1AACE-B3FE-42F7-8D91-AA55385465B2}" dt="2024-01-13T04:35:47.984" v="184" actId="680"/>
+        <pc:sldMkLst>
+          <pc:docMk/>
+          <pc:sldMk cId="2410297165" sldId="262"/>
+        </pc:sldMkLst>
+      </pc:sldChg>
+      <pc:sldChg chg="new">
+        <pc:chgData name="witaya chaison" userId="aafc0013979b2c41" providerId="LiveId" clId="{51E1AACE-B3FE-42F7-8D91-AA55385465B2}" dt="2024-01-13T04:35:49.291" v="185" actId="680"/>
+        <pc:sldMkLst>
+          <pc:docMk/>
+          <pc:sldMk cId="2653447416" sldId="263"/>
+        </pc:sldMkLst>
+      </pc:sldChg>
+      <pc:sldChg chg="new">
+        <pc:chgData name="witaya chaison" userId="aafc0013979b2c41" providerId="LiveId" clId="{51E1AACE-B3FE-42F7-8D91-AA55385465B2}" dt="2024-01-13T04:35:50.632" v="186" actId="680"/>
+        <pc:sldMkLst>
+          <pc:docMk/>
+          <pc:sldMk cId="4279994729" sldId="264"/>
+        </pc:sldMkLst>
       </pc:sldChg>
     </pc:docChg>
   </pc:docChgLst>
@@ -3388,8 +3578,8 @@
         </p:nvSpPr>
         <p:spPr>
           <a:xfrm>
-            <a:off x="274885" y="607746"/>
-            <a:ext cx="10969690" cy="4247317"/>
+            <a:off x="256597" y="305994"/>
+            <a:ext cx="10969690" cy="4801314"/>
           </a:xfrm>
           <a:prstGeom prst="rect">
             <a:avLst/>
@@ -3402,7 +3592,10 @@
           </a:bodyPr>
           <a:lstStyle/>
           <a:p>
-            <a:endParaRPr lang="en-US" dirty="0"/>
+            <a:r>
+              <a:rPr lang="en-US" dirty="0"/>
+              <a:t>Jan_13_2024</a:t>
+            </a:r>
           </a:p>
           <a:p>
             <a:r>
@@ -3418,10 +3611,46 @@
               <a:t> </a:t>
             </a:r>
             <a:r>
+              <a:rPr lang="en-US" dirty="0" err="1">
+                <a:highlight>
+                  <a:srgbClr val="FFFF00"/>
+                </a:highlight>
+              </a:rPr>
+              <a:t>venv</a:t>
+            </a:r>
+            <a:r>
+              <a:rPr lang="en-US" dirty="0">
+                <a:highlight>
+                  <a:srgbClr val="FFFF00"/>
+                </a:highlight>
+              </a:rPr>
+              <a:t> </a:t>
+            </a:r>
+            <a:r>
+              <a:rPr lang="en-US" dirty="0"/>
+              <a:t> or python –m </a:t>
+            </a:r>
+            <a:r>
               <a:rPr lang="en-US" dirty="0" err="1"/>
               <a:t>venv</a:t>
             </a:r>
-            <a:endParaRPr lang="en-US" dirty="0"/>
+            <a:r>
+              <a:rPr lang="en-US" dirty="0"/>
+              <a:t> </a:t>
+            </a:r>
+            <a:r>
+              <a:rPr lang="en-US" dirty="0" err="1">
+                <a:highlight>
+                  <a:srgbClr val="FFFF00"/>
+                </a:highlight>
+              </a:rPr>
+              <a:t>myname</a:t>
+            </a:r>
+            <a:endParaRPr lang="en-US" dirty="0">
+              <a:highlight>
+                <a:srgbClr val="FFFF00"/>
+              </a:highlight>
+            </a:endParaRPr>
           </a:p>
           <a:p>
             <a:endParaRPr lang="en-US" dirty="0"/>
@@ -3545,7 +3774,53 @@
           <a:p>
             <a:r>
               <a:rPr lang="en-US" dirty="0"/>
-              <a:t>C:\Users\Lenovo\OneDrive\GitHub 2024&gt;.\</a:t>
+              <a:t>C:\Users\Lenovo\OneDrive\GitHub 2024</a:t>
+            </a:r>
+            <a:r>
+              <a:rPr lang="en-US" dirty="0">
+                <a:highlight>
+                  <a:srgbClr val="FFFF00"/>
+                </a:highlight>
+              </a:rPr>
+              <a:t>&gt;.\</a:t>
+            </a:r>
+            <a:r>
+              <a:rPr lang="en-US" dirty="0" err="1">
+                <a:highlight>
+                  <a:srgbClr val="FFFF00"/>
+                </a:highlight>
+              </a:rPr>
+              <a:t>venv</a:t>
+            </a:r>
+            <a:r>
+              <a:rPr lang="en-US" dirty="0">
+                <a:highlight>
+                  <a:srgbClr val="FFFF00"/>
+                </a:highlight>
+              </a:rPr>
+              <a:t>\scripts\activate    or .\</a:t>
+            </a:r>
+            <a:r>
+              <a:rPr lang="en-US" dirty="0" err="1">
+                <a:highlight>
+                  <a:srgbClr val="FFFF00"/>
+                </a:highlight>
+              </a:rPr>
+              <a:t>namevirtual</a:t>
+            </a:r>
+            <a:r>
+              <a:rPr lang="en-US" dirty="0">
+                <a:highlight>
+                  <a:srgbClr val="FFFF00"/>
+                </a:highlight>
+              </a:rPr>
+              <a:t> environment \Scripts\activate</a:t>
+            </a:r>
+          </a:p>
+          <a:p>
+            <a:r>
+              <a:rPr lang="en-US" dirty="0"/>
+              <a:t>(</a:t>
             </a:r>
             <a:r>
               <a:rPr lang="en-US" dirty="0" err="1"/>
@@ -3553,22 +3828,14 @@
             </a:r>
             <a:r>
               <a:rPr lang="en-US" dirty="0"/>
-              <a:t>\scripts\activate</a:t>
-            </a:r>
-          </a:p>
-          <a:p>
-            <a:r>
-              <a:rPr lang="en-US" dirty="0"/>
-              <a:t>(</a:t>
-            </a:r>
-            <a:r>
-              <a:rPr lang="en-US" dirty="0" err="1"/>
-              <a:t>venv</a:t>
-            </a:r>
-            <a:r>
-              <a:rPr lang="en-US" dirty="0"/>
               <a:t>) C:\Users\Lenovo\OneDrive\GitHub 2024&gt;</a:t>
             </a:r>
+          </a:p>
+          <a:p>
+            <a:endParaRPr lang="en-US" dirty="0"/>
+          </a:p>
+          <a:p>
+            <a:endParaRPr lang="en-US" dirty="0"/>
           </a:p>
           <a:p>
             <a:endParaRPr lang="en-US" dirty="0"/>
@@ -3579,6 +3846,822 @@
     <p:extLst>
       <p:ext uri="{BB962C8B-B14F-4D97-AF65-F5344CB8AC3E}">
         <p14:creationId xmlns:p14="http://schemas.microsoft.com/office/powerpoint/2010/main" val="2169243720"/>
+      </p:ext>
+    </p:extLst>
+  </p:cSld>
+  <p:clrMapOvr>
+    <a:masterClrMapping/>
+  </p:clrMapOvr>
+</p:sld>
+</file>
+
+<file path=ppt/slides/slide2.xml><?xml version="1.0" encoding="utf-8"?>
+<p:sld xmlns:a="http://schemas.openxmlformats.org/drawingml/2006/main" xmlns:r="http://schemas.openxmlformats.org/officeDocument/2006/relationships" xmlns:p="http://schemas.openxmlformats.org/presentationml/2006/main">
+  <p:cSld>
+    <p:spTree>
+      <p:nvGrpSpPr>
+        <p:cNvPr id="1" name=""/>
+        <p:cNvGrpSpPr/>
+        <p:nvPr/>
+      </p:nvGrpSpPr>
+      <p:grpSpPr>
+        <a:xfrm>
+          <a:off x="0" y="0"/>
+          <a:ext cx="0" cy="0"/>
+          <a:chOff x="0" y="0"/>
+          <a:chExt cx="0" cy="0"/>
+        </a:xfrm>
+      </p:grpSpPr>
+      <p:pic>
+        <p:nvPicPr>
+          <p:cNvPr id="5" name="Picture 4">
+            <a:extLst>
+              <a:ext uri="{FF2B5EF4-FFF2-40B4-BE49-F238E27FC236}">
+                <a16:creationId xmlns:a16="http://schemas.microsoft.com/office/drawing/2014/main" id="{05735720-0D45-EA25-4646-E811EB103866}"/>
+              </a:ext>
+            </a:extLst>
+          </p:cNvPr>
+          <p:cNvPicPr>
+            <a:picLocks noChangeAspect="1"/>
+          </p:cNvPicPr>
+          <p:nvPr/>
+        </p:nvPicPr>
+        <p:blipFill>
+          <a:blip r:embed="rId2"/>
+          <a:stretch>
+            <a:fillRect/>
+          </a:stretch>
+        </p:blipFill>
+        <p:spPr>
+          <a:xfrm>
+            <a:off x="274320" y="303114"/>
+            <a:ext cx="11036808" cy="4349819"/>
+          </a:xfrm>
+          <a:prstGeom prst="rect">
+            <a:avLst/>
+          </a:prstGeom>
+        </p:spPr>
+      </p:pic>
+      <p:pic>
+        <p:nvPicPr>
+          <p:cNvPr id="7" name="Picture 6">
+            <a:extLst>
+              <a:ext uri="{FF2B5EF4-FFF2-40B4-BE49-F238E27FC236}">
+                <a16:creationId xmlns:a16="http://schemas.microsoft.com/office/drawing/2014/main" id="{4D5A783D-FC38-5DE0-CC45-999DFF825FA5}"/>
+              </a:ext>
+            </a:extLst>
+          </p:cNvPr>
+          <p:cNvPicPr>
+            <a:picLocks noChangeAspect="1"/>
+          </p:cNvPicPr>
+          <p:nvPr/>
+        </p:nvPicPr>
+        <p:blipFill>
+          <a:blip r:embed="rId3"/>
+          <a:stretch>
+            <a:fillRect/>
+          </a:stretch>
+        </p:blipFill>
+        <p:spPr>
+          <a:xfrm>
+            <a:off x="4889724" y="3350358"/>
+            <a:ext cx="6512844" cy="3041297"/>
+          </a:xfrm>
+          <a:prstGeom prst="rect">
+            <a:avLst/>
+          </a:prstGeom>
+        </p:spPr>
+      </p:pic>
+      <p:sp>
+        <p:nvSpPr>
+          <p:cNvPr id="8" name="Oval 7">
+            <a:extLst>
+              <a:ext uri="{FF2B5EF4-FFF2-40B4-BE49-F238E27FC236}">
+                <a16:creationId xmlns:a16="http://schemas.microsoft.com/office/drawing/2014/main" id="{E3C0003D-4BB2-C608-CB21-D3CFBA95DF8D}"/>
+              </a:ext>
+            </a:extLst>
+          </p:cNvPr>
+          <p:cNvSpPr/>
+          <p:nvPr/>
+        </p:nvSpPr>
+        <p:spPr>
+          <a:xfrm>
+            <a:off x="9509760" y="3941064"/>
+            <a:ext cx="1179576" cy="393192"/>
+          </a:xfrm>
+          <a:prstGeom prst="ellipse">
+            <a:avLst/>
+          </a:prstGeom>
+          <a:noFill/>
+        </p:spPr>
+        <p:style>
+          <a:lnRef idx="2">
+            <a:schemeClr val="accent1">
+              <a:shade val="15000"/>
+            </a:schemeClr>
+          </a:lnRef>
+          <a:fillRef idx="1">
+            <a:schemeClr val="accent1"/>
+          </a:fillRef>
+          <a:effectRef idx="0">
+            <a:schemeClr val="accent1"/>
+          </a:effectRef>
+          <a:fontRef idx="minor">
+            <a:schemeClr val="lt1"/>
+          </a:fontRef>
+        </p:style>
+        <p:txBody>
+          <a:bodyPr rtlCol="0" anchor="ctr"/>
+          <a:lstStyle/>
+          <a:p>
+            <a:pPr algn="ctr"/>
+            <a:endParaRPr lang="en-US"/>
+          </a:p>
+        </p:txBody>
+      </p:sp>
+      <p:cxnSp>
+        <p:nvCxnSpPr>
+          <p:cNvPr id="10" name="Straight Arrow Connector 9">
+            <a:extLst>
+              <a:ext uri="{FF2B5EF4-FFF2-40B4-BE49-F238E27FC236}">
+                <a16:creationId xmlns:a16="http://schemas.microsoft.com/office/drawing/2014/main" id="{C67F1B11-A265-E11F-C632-5E9E8A2A3F44}"/>
+              </a:ext>
+            </a:extLst>
+          </p:cNvPr>
+          <p:cNvCxnSpPr/>
+          <p:nvPr/>
+        </p:nvCxnSpPr>
+        <p:spPr>
+          <a:xfrm flipH="1">
+            <a:off x="8046720" y="4334256"/>
+            <a:ext cx="1563624" cy="768096"/>
+          </a:xfrm>
+          <a:prstGeom prst="straightConnector1">
+            <a:avLst/>
+          </a:prstGeom>
+          <a:ln>
+            <a:tailEnd type="triangle"/>
+          </a:ln>
+        </p:spPr>
+        <p:style>
+          <a:lnRef idx="1">
+            <a:schemeClr val="accent1"/>
+          </a:lnRef>
+          <a:fillRef idx="0">
+            <a:schemeClr val="accent1"/>
+          </a:fillRef>
+          <a:effectRef idx="0">
+            <a:schemeClr val="accent1"/>
+          </a:effectRef>
+          <a:fontRef idx="minor">
+            <a:schemeClr val="tx1"/>
+          </a:fontRef>
+        </p:style>
+      </p:cxnSp>
+      <p:sp>
+        <p:nvSpPr>
+          <p:cNvPr id="11" name="TextBox 10">
+            <a:extLst>
+              <a:ext uri="{FF2B5EF4-FFF2-40B4-BE49-F238E27FC236}">
+                <a16:creationId xmlns:a16="http://schemas.microsoft.com/office/drawing/2014/main" id="{41F2E458-D816-7247-B05B-09F38EA01439}"/>
+              </a:ext>
+            </a:extLst>
+          </p:cNvPr>
+          <p:cNvSpPr txBox="1"/>
+          <p:nvPr/>
+        </p:nvSpPr>
+        <p:spPr>
+          <a:xfrm>
+            <a:off x="1086292" y="6206989"/>
+            <a:ext cx="2991460" cy="369332"/>
+          </a:xfrm>
+          <a:prstGeom prst="rect">
+            <a:avLst/>
+          </a:prstGeom>
+          <a:noFill/>
+        </p:spPr>
+        <p:txBody>
+          <a:bodyPr wrap="none" rtlCol="0">
+            <a:spAutoFit/>
+          </a:bodyPr>
+          <a:lstStyle/>
+          <a:p>
+            <a:r>
+              <a:rPr lang="en-US" dirty="0"/>
+              <a:t>The page for sent request </a:t>
+            </a:r>
+            <a:r>
+              <a:rPr lang="en-US" dirty="0">
+                <a:sym typeface="Wingdings" panose="05000000000000000000" pitchFamily="2" charset="2"/>
+              </a:rPr>
+              <a:t> </a:t>
+            </a:r>
+            <a:r>
+              <a:rPr lang="en-US" dirty="0"/>
+              <a:t> </a:t>
+            </a:r>
+          </a:p>
+        </p:txBody>
+      </p:sp>
+      <p:pic>
+        <p:nvPicPr>
+          <p:cNvPr id="13" name="Picture 12">
+            <a:extLst>
+              <a:ext uri="{FF2B5EF4-FFF2-40B4-BE49-F238E27FC236}">
+                <a16:creationId xmlns:a16="http://schemas.microsoft.com/office/drawing/2014/main" id="{5FF1B981-7D1E-9AAD-E1CD-C738401BF337}"/>
+              </a:ext>
+            </a:extLst>
+          </p:cNvPr>
+          <p:cNvPicPr>
+            <a:picLocks noChangeAspect="1"/>
+          </p:cNvPicPr>
+          <p:nvPr/>
+        </p:nvPicPr>
+        <p:blipFill>
+          <a:blip r:embed="rId4"/>
+          <a:stretch>
+            <a:fillRect/>
+          </a:stretch>
+        </p:blipFill>
+        <p:spPr>
+          <a:xfrm>
+            <a:off x="8205210" y="5580532"/>
+            <a:ext cx="2810267" cy="1034708"/>
+          </a:xfrm>
+          <a:prstGeom prst="rect">
+            <a:avLst/>
+          </a:prstGeom>
+        </p:spPr>
+      </p:pic>
+    </p:spTree>
+    <p:extLst>
+      <p:ext uri="{BB962C8B-B14F-4D97-AF65-F5344CB8AC3E}">
+        <p14:creationId xmlns:p14="http://schemas.microsoft.com/office/powerpoint/2010/main" val="108872571"/>
+      </p:ext>
+    </p:extLst>
+  </p:cSld>
+  <p:clrMapOvr>
+    <a:masterClrMapping/>
+  </p:clrMapOvr>
+</p:sld>
+</file>
+
+<file path=ppt/slides/slide3.xml><?xml version="1.0" encoding="utf-8"?>
+<p:sld xmlns:a="http://schemas.openxmlformats.org/drawingml/2006/main" xmlns:r="http://schemas.openxmlformats.org/officeDocument/2006/relationships" xmlns:p="http://schemas.openxmlformats.org/presentationml/2006/main">
+  <p:cSld>
+    <p:spTree>
+      <p:nvGrpSpPr>
+        <p:cNvPr id="1" name=""/>
+        <p:cNvGrpSpPr/>
+        <p:nvPr/>
+      </p:nvGrpSpPr>
+      <p:grpSpPr>
+        <a:xfrm>
+          <a:off x="0" y="0"/>
+          <a:ext cx="0" cy="0"/>
+          <a:chOff x="0" y="0"/>
+          <a:chExt cx="0" cy="0"/>
+        </a:xfrm>
+      </p:grpSpPr>
+      <p:sp>
+        <p:nvSpPr>
+          <p:cNvPr id="4" name="TextBox 3">
+            <a:extLst>
+              <a:ext uri="{FF2B5EF4-FFF2-40B4-BE49-F238E27FC236}">
+                <a16:creationId xmlns:a16="http://schemas.microsoft.com/office/drawing/2014/main" id="{135AE14A-F405-25EE-3725-EB25A77DFEA1}"/>
+              </a:ext>
+            </a:extLst>
+          </p:cNvPr>
+          <p:cNvSpPr txBox="1"/>
+          <p:nvPr/>
+        </p:nvSpPr>
+        <p:spPr>
+          <a:xfrm>
+            <a:off x="758952" y="521208"/>
+            <a:ext cx="6907981" cy="923330"/>
+          </a:xfrm>
+          <a:prstGeom prst="rect">
+            <a:avLst/>
+          </a:prstGeom>
+          <a:noFill/>
+        </p:spPr>
+        <p:txBody>
+          <a:bodyPr wrap="none" rtlCol="0">
+            <a:spAutoFit/>
+          </a:bodyPr>
+          <a:lstStyle/>
+          <a:p>
+            <a:r>
+              <a:rPr lang="en-US" dirty="0">
+                <a:hlinkClick r:id="rId2"/>
+              </a:rPr>
+              <a:t>https://getbootstrap.com/docs/5.3/examples/pricing/</a:t>
+            </a:r>
+            <a:r>
+              <a:rPr lang="en-US" dirty="0"/>
+              <a:t>       </a:t>
+            </a:r>
+            <a:r>
+              <a:rPr lang="th-TH" dirty="0"/>
+              <a:t>ตัวอย่างหน้า </a:t>
+            </a:r>
+            <a:r>
+              <a:rPr lang="en-US" dirty="0"/>
+              <a:t>Web</a:t>
+            </a:r>
+          </a:p>
+          <a:p>
+            <a:endParaRPr lang="en-US" dirty="0"/>
+          </a:p>
+          <a:p>
+            <a:endParaRPr lang="en-US" dirty="0"/>
+          </a:p>
+        </p:txBody>
+      </p:sp>
+    </p:spTree>
+    <p:extLst>
+      <p:ext uri="{BB962C8B-B14F-4D97-AF65-F5344CB8AC3E}">
+        <p14:creationId xmlns:p14="http://schemas.microsoft.com/office/powerpoint/2010/main" val="2975294771"/>
+      </p:ext>
+    </p:extLst>
+  </p:cSld>
+  <p:clrMapOvr>
+    <a:masterClrMapping/>
+  </p:clrMapOvr>
+</p:sld>
+</file>
+
+<file path=ppt/slides/slide4.xml><?xml version="1.0" encoding="utf-8"?>
+<p:sld xmlns:a="http://schemas.openxmlformats.org/drawingml/2006/main" xmlns:r="http://schemas.openxmlformats.org/officeDocument/2006/relationships" xmlns:p="http://schemas.openxmlformats.org/presentationml/2006/main">
+  <p:cSld>
+    <p:spTree>
+      <p:nvGrpSpPr>
+        <p:cNvPr id="1" name=""/>
+        <p:cNvGrpSpPr/>
+        <p:nvPr/>
+      </p:nvGrpSpPr>
+      <p:grpSpPr>
+        <a:xfrm>
+          <a:off x="0" y="0"/>
+          <a:ext cx="0" cy="0"/>
+          <a:chOff x="0" y="0"/>
+          <a:chExt cx="0" cy="0"/>
+        </a:xfrm>
+      </p:grpSpPr>
+      <p:sp>
+        <p:nvSpPr>
+          <p:cNvPr id="2" name="Title 1">
+            <a:extLst>
+              <a:ext uri="{FF2B5EF4-FFF2-40B4-BE49-F238E27FC236}">
+                <a16:creationId xmlns:a16="http://schemas.microsoft.com/office/drawing/2014/main" id="{E2394F64-940F-3141-AE31-7C71FDE887E0}"/>
+              </a:ext>
+            </a:extLst>
+          </p:cNvPr>
+          <p:cNvSpPr>
+            <a:spLocks noGrp="1"/>
+          </p:cNvSpPr>
+          <p:nvPr>
+            <p:ph type="title"/>
+          </p:nvPr>
+        </p:nvSpPr>
+        <p:spPr/>
+        <p:txBody>
+          <a:bodyPr/>
+          <a:lstStyle/>
+          <a:p>
+            <a:endParaRPr lang="en-US"/>
+          </a:p>
+        </p:txBody>
+      </p:sp>
+      <p:sp>
+        <p:nvSpPr>
+          <p:cNvPr id="3" name="Content Placeholder 2">
+            <a:extLst>
+              <a:ext uri="{FF2B5EF4-FFF2-40B4-BE49-F238E27FC236}">
+                <a16:creationId xmlns:a16="http://schemas.microsoft.com/office/drawing/2014/main" id="{69CB2E1E-D634-AC3F-FA85-478526D82271}"/>
+              </a:ext>
+            </a:extLst>
+          </p:cNvPr>
+          <p:cNvSpPr>
+            <a:spLocks noGrp="1"/>
+          </p:cNvSpPr>
+          <p:nvPr>
+            <p:ph idx="1"/>
+          </p:nvPr>
+        </p:nvSpPr>
+        <p:spPr/>
+        <p:txBody>
+          <a:bodyPr/>
+          <a:lstStyle/>
+          <a:p>
+            <a:endParaRPr lang="en-US"/>
+          </a:p>
+        </p:txBody>
+      </p:sp>
+    </p:spTree>
+    <p:extLst>
+      <p:ext uri="{BB962C8B-B14F-4D97-AF65-F5344CB8AC3E}">
+        <p14:creationId xmlns:p14="http://schemas.microsoft.com/office/powerpoint/2010/main" val="176034305"/>
+      </p:ext>
+    </p:extLst>
+  </p:cSld>
+  <p:clrMapOvr>
+    <a:masterClrMapping/>
+  </p:clrMapOvr>
+</p:sld>
+</file>
+
+<file path=ppt/slides/slide5.xml><?xml version="1.0" encoding="utf-8"?>
+<p:sld xmlns:a="http://schemas.openxmlformats.org/drawingml/2006/main" xmlns:r="http://schemas.openxmlformats.org/officeDocument/2006/relationships" xmlns:p="http://schemas.openxmlformats.org/presentationml/2006/main">
+  <p:cSld>
+    <p:spTree>
+      <p:nvGrpSpPr>
+        <p:cNvPr id="1" name=""/>
+        <p:cNvGrpSpPr/>
+        <p:nvPr/>
+      </p:nvGrpSpPr>
+      <p:grpSpPr>
+        <a:xfrm>
+          <a:off x="0" y="0"/>
+          <a:ext cx="0" cy="0"/>
+          <a:chOff x="0" y="0"/>
+          <a:chExt cx="0" cy="0"/>
+        </a:xfrm>
+      </p:grpSpPr>
+      <p:sp>
+        <p:nvSpPr>
+          <p:cNvPr id="2" name="Title 1">
+            <a:extLst>
+              <a:ext uri="{FF2B5EF4-FFF2-40B4-BE49-F238E27FC236}">
+                <a16:creationId xmlns:a16="http://schemas.microsoft.com/office/drawing/2014/main" id="{90DB7578-A4F7-F7AC-C371-BFCDB4D0521D}"/>
+              </a:ext>
+            </a:extLst>
+          </p:cNvPr>
+          <p:cNvSpPr>
+            <a:spLocks noGrp="1"/>
+          </p:cNvSpPr>
+          <p:nvPr>
+            <p:ph type="title"/>
+          </p:nvPr>
+        </p:nvSpPr>
+        <p:spPr/>
+        <p:txBody>
+          <a:bodyPr/>
+          <a:lstStyle/>
+          <a:p>
+            <a:endParaRPr lang="en-US"/>
+          </a:p>
+        </p:txBody>
+      </p:sp>
+      <p:sp>
+        <p:nvSpPr>
+          <p:cNvPr id="3" name="Content Placeholder 2">
+            <a:extLst>
+              <a:ext uri="{FF2B5EF4-FFF2-40B4-BE49-F238E27FC236}">
+                <a16:creationId xmlns:a16="http://schemas.microsoft.com/office/drawing/2014/main" id="{742B2038-1923-2D3E-DD37-770A83E28735}"/>
+              </a:ext>
+            </a:extLst>
+          </p:cNvPr>
+          <p:cNvSpPr>
+            <a:spLocks noGrp="1"/>
+          </p:cNvSpPr>
+          <p:nvPr>
+            <p:ph idx="1"/>
+          </p:nvPr>
+        </p:nvSpPr>
+        <p:spPr/>
+        <p:txBody>
+          <a:bodyPr/>
+          <a:lstStyle/>
+          <a:p>
+            <a:endParaRPr lang="en-US"/>
+          </a:p>
+        </p:txBody>
+      </p:sp>
+    </p:spTree>
+    <p:extLst>
+      <p:ext uri="{BB962C8B-B14F-4D97-AF65-F5344CB8AC3E}">
+        <p14:creationId xmlns:p14="http://schemas.microsoft.com/office/powerpoint/2010/main" val="1486535379"/>
+      </p:ext>
+    </p:extLst>
+  </p:cSld>
+  <p:clrMapOvr>
+    <a:masterClrMapping/>
+  </p:clrMapOvr>
+</p:sld>
+</file>
+
+<file path=ppt/slides/slide6.xml><?xml version="1.0" encoding="utf-8"?>
+<p:sld xmlns:a="http://schemas.openxmlformats.org/drawingml/2006/main" xmlns:r="http://schemas.openxmlformats.org/officeDocument/2006/relationships" xmlns:p="http://schemas.openxmlformats.org/presentationml/2006/main">
+  <p:cSld>
+    <p:spTree>
+      <p:nvGrpSpPr>
+        <p:cNvPr id="1" name=""/>
+        <p:cNvGrpSpPr/>
+        <p:nvPr/>
+      </p:nvGrpSpPr>
+      <p:grpSpPr>
+        <a:xfrm>
+          <a:off x="0" y="0"/>
+          <a:ext cx="0" cy="0"/>
+          <a:chOff x="0" y="0"/>
+          <a:chExt cx="0" cy="0"/>
+        </a:xfrm>
+      </p:grpSpPr>
+      <p:sp>
+        <p:nvSpPr>
+          <p:cNvPr id="2" name="Title 1">
+            <a:extLst>
+              <a:ext uri="{FF2B5EF4-FFF2-40B4-BE49-F238E27FC236}">
+                <a16:creationId xmlns:a16="http://schemas.microsoft.com/office/drawing/2014/main" id="{A996E17C-038D-1DBC-50F2-BAE106A0332E}"/>
+              </a:ext>
+            </a:extLst>
+          </p:cNvPr>
+          <p:cNvSpPr>
+            <a:spLocks noGrp="1"/>
+          </p:cNvSpPr>
+          <p:nvPr>
+            <p:ph type="title"/>
+          </p:nvPr>
+        </p:nvSpPr>
+        <p:spPr/>
+        <p:txBody>
+          <a:bodyPr/>
+          <a:lstStyle/>
+          <a:p>
+            <a:endParaRPr lang="en-US"/>
+          </a:p>
+        </p:txBody>
+      </p:sp>
+      <p:sp>
+        <p:nvSpPr>
+          <p:cNvPr id="3" name="Content Placeholder 2">
+            <a:extLst>
+              <a:ext uri="{FF2B5EF4-FFF2-40B4-BE49-F238E27FC236}">
+                <a16:creationId xmlns:a16="http://schemas.microsoft.com/office/drawing/2014/main" id="{5CCEC856-0E9B-41D2-6CC5-1DB4EFA17276}"/>
+              </a:ext>
+            </a:extLst>
+          </p:cNvPr>
+          <p:cNvSpPr>
+            <a:spLocks noGrp="1"/>
+          </p:cNvSpPr>
+          <p:nvPr>
+            <p:ph idx="1"/>
+          </p:nvPr>
+        </p:nvSpPr>
+        <p:spPr/>
+        <p:txBody>
+          <a:bodyPr/>
+          <a:lstStyle/>
+          <a:p>
+            <a:endParaRPr lang="en-US"/>
+          </a:p>
+        </p:txBody>
+      </p:sp>
+    </p:spTree>
+    <p:extLst>
+      <p:ext uri="{BB962C8B-B14F-4D97-AF65-F5344CB8AC3E}">
+        <p14:creationId xmlns:p14="http://schemas.microsoft.com/office/powerpoint/2010/main" val="2401643237"/>
+      </p:ext>
+    </p:extLst>
+  </p:cSld>
+  <p:clrMapOvr>
+    <a:masterClrMapping/>
+  </p:clrMapOvr>
+</p:sld>
+</file>
+
+<file path=ppt/slides/slide7.xml><?xml version="1.0" encoding="utf-8"?>
+<p:sld xmlns:a="http://schemas.openxmlformats.org/drawingml/2006/main" xmlns:r="http://schemas.openxmlformats.org/officeDocument/2006/relationships" xmlns:p="http://schemas.openxmlformats.org/presentationml/2006/main">
+  <p:cSld>
+    <p:spTree>
+      <p:nvGrpSpPr>
+        <p:cNvPr id="1" name=""/>
+        <p:cNvGrpSpPr/>
+        <p:nvPr/>
+      </p:nvGrpSpPr>
+      <p:grpSpPr>
+        <a:xfrm>
+          <a:off x="0" y="0"/>
+          <a:ext cx="0" cy="0"/>
+          <a:chOff x="0" y="0"/>
+          <a:chExt cx="0" cy="0"/>
+        </a:xfrm>
+      </p:grpSpPr>
+      <p:sp>
+        <p:nvSpPr>
+          <p:cNvPr id="2" name="Title 1">
+            <a:extLst>
+              <a:ext uri="{FF2B5EF4-FFF2-40B4-BE49-F238E27FC236}">
+                <a16:creationId xmlns:a16="http://schemas.microsoft.com/office/drawing/2014/main" id="{01101D39-EEB2-1F43-2B21-04304B192082}"/>
+              </a:ext>
+            </a:extLst>
+          </p:cNvPr>
+          <p:cNvSpPr>
+            <a:spLocks noGrp="1"/>
+          </p:cNvSpPr>
+          <p:nvPr>
+            <p:ph type="title"/>
+          </p:nvPr>
+        </p:nvSpPr>
+        <p:spPr/>
+        <p:txBody>
+          <a:bodyPr/>
+          <a:lstStyle/>
+          <a:p>
+            <a:endParaRPr lang="en-US"/>
+          </a:p>
+        </p:txBody>
+      </p:sp>
+      <p:sp>
+        <p:nvSpPr>
+          <p:cNvPr id="3" name="Content Placeholder 2">
+            <a:extLst>
+              <a:ext uri="{FF2B5EF4-FFF2-40B4-BE49-F238E27FC236}">
+                <a16:creationId xmlns:a16="http://schemas.microsoft.com/office/drawing/2014/main" id="{93B66041-2D6C-2339-0813-188E1469B6AD}"/>
+              </a:ext>
+            </a:extLst>
+          </p:cNvPr>
+          <p:cNvSpPr>
+            <a:spLocks noGrp="1"/>
+          </p:cNvSpPr>
+          <p:nvPr>
+            <p:ph idx="1"/>
+          </p:nvPr>
+        </p:nvSpPr>
+        <p:spPr/>
+        <p:txBody>
+          <a:bodyPr/>
+          <a:lstStyle/>
+          <a:p>
+            <a:endParaRPr lang="en-US"/>
+          </a:p>
+        </p:txBody>
+      </p:sp>
+    </p:spTree>
+    <p:extLst>
+      <p:ext uri="{BB962C8B-B14F-4D97-AF65-F5344CB8AC3E}">
+        <p14:creationId xmlns:p14="http://schemas.microsoft.com/office/powerpoint/2010/main" val="2410297165"/>
+      </p:ext>
+    </p:extLst>
+  </p:cSld>
+  <p:clrMapOvr>
+    <a:masterClrMapping/>
+  </p:clrMapOvr>
+</p:sld>
+</file>
+
+<file path=ppt/slides/slide8.xml><?xml version="1.0" encoding="utf-8"?>
+<p:sld xmlns:a="http://schemas.openxmlformats.org/drawingml/2006/main" xmlns:r="http://schemas.openxmlformats.org/officeDocument/2006/relationships" xmlns:p="http://schemas.openxmlformats.org/presentationml/2006/main">
+  <p:cSld>
+    <p:spTree>
+      <p:nvGrpSpPr>
+        <p:cNvPr id="1" name=""/>
+        <p:cNvGrpSpPr/>
+        <p:nvPr/>
+      </p:nvGrpSpPr>
+      <p:grpSpPr>
+        <a:xfrm>
+          <a:off x="0" y="0"/>
+          <a:ext cx="0" cy="0"/>
+          <a:chOff x="0" y="0"/>
+          <a:chExt cx="0" cy="0"/>
+        </a:xfrm>
+      </p:grpSpPr>
+      <p:sp>
+        <p:nvSpPr>
+          <p:cNvPr id="2" name="Title 1">
+            <a:extLst>
+              <a:ext uri="{FF2B5EF4-FFF2-40B4-BE49-F238E27FC236}">
+                <a16:creationId xmlns:a16="http://schemas.microsoft.com/office/drawing/2014/main" id="{ACC76762-DB11-9149-4B7A-EE0659FD46C2}"/>
+              </a:ext>
+            </a:extLst>
+          </p:cNvPr>
+          <p:cNvSpPr>
+            <a:spLocks noGrp="1"/>
+          </p:cNvSpPr>
+          <p:nvPr>
+            <p:ph type="title"/>
+          </p:nvPr>
+        </p:nvSpPr>
+        <p:spPr/>
+        <p:txBody>
+          <a:bodyPr/>
+          <a:lstStyle/>
+          <a:p>
+            <a:endParaRPr lang="en-US"/>
+          </a:p>
+        </p:txBody>
+      </p:sp>
+      <p:sp>
+        <p:nvSpPr>
+          <p:cNvPr id="3" name="Content Placeholder 2">
+            <a:extLst>
+              <a:ext uri="{FF2B5EF4-FFF2-40B4-BE49-F238E27FC236}">
+                <a16:creationId xmlns:a16="http://schemas.microsoft.com/office/drawing/2014/main" id="{2033D948-CBD3-39DA-F2ED-CDC0F467B053}"/>
+              </a:ext>
+            </a:extLst>
+          </p:cNvPr>
+          <p:cNvSpPr>
+            <a:spLocks noGrp="1"/>
+          </p:cNvSpPr>
+          <p:nvPr>
+            <p:ph idx="1"/>
+          </p:nvPr>
+        </p:nvSpPr>
+        <p:spPr/>
+        <p:txBody>
+          <a:bodyPr/>
+          <a:lstStyle/>
+          <a:p>
+            <a:endParaRPr lang="en-US"/>
+          </a:p>
+        </p:txBody>
+      </p:sp>
+    </p:spTree>
+    <p:extLst>
+      <p:ext uri="{BB962C8B-B14F-4D97-AF65-F5344CB8AC3E}">
+        <p14:creationId xmlns:p14="http://schemas.microsoft.com/office/powerpoint/2010/main" val="2653447416"/>
+      </p:ext>
+    </p:extLst>
+  </p:cSld>
+  <p:clrMapOvr>
+    <a:masterClrMapping/>
+  </p:clrMapOvr>
+</p:sld>
+</file>
+
+<file path=ppt/slides/slide9.xml><?xml version="1.0" encoding="utf-8"?>
+<p:sld xmlns:a="http://schemas.openxmlformats.org/drawingml/2006/main" xmlns:r="http://schemas.openxmlformats.org/officeDocument/2006/relationships" xmlns:p="http://schemas.openxmlformats.org/presentationml/2006/main">
+  <p:cSld>
+    <p:spTree>
+      <p:nvGrpSpPr>
+        <p:cNvPr id="1" name=""/>
+        <p:cNvGrpSpPr/>
+        <p:nvPr/>
+      </p:nvGrpSpPr>
+      <p:grpSpPr>
+        <a:xfrm>
+          <a:off x="0" y="0"/>
+          <a:ext cx="0" cy="0"/>
+          <a:chOff x="0" y="0"/>
+          <a:chExt cx="0" cy="0"/>
+        </a:xfrm>
+      </p:grpSpPr>
+      <p:sp>
+        <p:nvSpPr>
+          <p:cNvPr id="2" name="Title 1">
+            <a:extLst>
+              <a:ext uri="{FF2B5EF4-FFF2-40B4-BE49-F238E27FC236}">
+                <a16:creationId xmlns:a16="http://schemas.microsoft.com/office/drawing/2014/main" id="{00C106E7-4AB3-A835-7493-9A87EB6AFD0D}"/>
+              </a:ext>
+            </a:extLst>
+          </p:cNvPr>
+          <p:cNvSpPr>
+            <a:spLocks noGrp="1"/>
+          </p:cNvSpPr>
+          <p:nvPr>
+            <p:ph type="title"/>
+          </p:nvPr>
+        </p:nvSpPr>
+        <p:spPr/>
+        <p:txBody>
+          <a:bodyPr/>
+          <a:lstStyle/>
+          <a:p>
+            <a:endParaRPr lang="en-US"/>
+          </a:p>
+        </p:txBody>
+      </p:sp>
+      <p:sp>
+        <p:nvSpPr>
+          <p:cNvPr id="3" name="Content Placeholder 2">
+            <a:extLst>
+              <a:ext uri="{FF2B5EF4-FFF2-40B4-BE49-F238E27FC236}">
+                <a16:creationId xmlns:a16="http://schemas.microsoft.com/office/drawing/2014/main" id="{86CEC114-EB76-1E4D-2819-4663F0F253B9}"/>
+              </a:ext>
+            </a:extLst>
+          </p:cNvPr>
+          <p:cNvSpPr>
+            <a:spLocks noGrp="1"/>
+          </p:cNvSpPr>
+          <p:nvPr>
+            <p:ph idx="1"/>
+          </p:nvPr>
+        </p:nvSpPr>
+        <p:spPr/>
+        <p:txBody>
+          <a:bodyPr/>
+          <a:lstStyle/>
+          <a:p>
+            <a:endParaRPr lang="en-US"/>
+          </a:p>
+        </p:txBody>
+      </p:sp>
+    </p:spTree>
+    <p:extLst>
+      <p:ext uri="{BB962C8B-B14F-4D97-AF65-F5344CB8AC3E}">
+        <p14:creationId xmlns:p14="http://schemas.microsoft.com/office/powerpoint/2010/main" val="4279994729"/>
       </p:ext>
     </p:extLst>
   </p:cSld>

--- a/Note.pptx
+++ b/Note.pptx
@@ -123,7 +123,7 @@
 <file path=ppt/revisionInfo.xml><?xml version="1.0" encoding="utf-8"?>
 <p1510:revInfo xmlns:a="http://schemas.openxmlformats.org/drawingml/2006/main" xmlns:r="http://schemas.openxmlformats.org/officeDocument/2006/relationships" xmlns:p1510="http://schemas.microsoft.com/office/powerpoint/2015/10/main">
   <p1510:revLst>
-    <p1510:client id="{51E1AACE-B3FE-42F7-8D91-AA55385465B2}" v="3" dt="2024-01-13T04:43:18.087"/>
+    <p1510:client id="{51E1AACE-B3FE-42F7-8D91-AA55385465B2}" v="4" dt="2024-01-13T06:53:08.091"/>
     <p1510:client id="{F358CAFC-881D-4067-A9EB-64A6D4B19767}" v="1" dt="2024-01-12T17:27:39.521"/>
   </p1510:revLst>
 </p1510:revInfo>
@@ -174,7 +174,7 @@
   <pc:docChgLst>
     <pc:chgData name="witaya chaison" userId="aafc0013979b2c41" providerId="LiveId" clId="{51E1AACE-B3FE-42F7-8D91-AA55385465B2}"/>
     <pc:docChg chg="undo custSel addSld modSld">
-      <pc:chgData name="witaya chaison" userId="aafc0013979b2c41" providerId="LiveId" clId="{51E1AACE-B3FE-42F7-8D91-AA55385465B2}" dt="2024-01-13T04:43:40.772" v="228" actId="20577"/>
+      <pc:chgData name="witaya chaison" userId="aafc0013979b2c41" providerId="LiveId" clId="{51E1AACE-B3FE-42F7-8D91-AA55385465B2}" dt="2024-01-13T06:53:34.192" v="453" actId="20577"/>
       <pc:docMkLst>
         <pc:docMk/>
       </pc:docMkLst>
@@ -273,7 +273,7 @@
         </pc:cxnChg>
       </pc:sldChg>
       <pc:sldChg chg="addSp delSp modSp new mod">
-        <pc:chgData name="witaya chaison" userId="aafc0013979b2c41" providerId="LiveId" clId="{51E1AACE-B3FE-42F7-8D91-AA55385465B2}" dt="2024-01-13T04:43:40.772" v="228" actId="20577"/>
+        <pc:chgData name="witaya chaison" userId="aafc0013979b2c41" providerId="LiveId" clId="{51E1AACE-B3FE-42F7-8D91-AA55385465B2}" dt="2024-01-13T06:39:13.802" v="393" actId="1076"/>
         <pc:sldMkLst>
           <pc:docMk/>
           <pc:sldMk cId="2975294771" sldId="258"/>
@@ -295,48 +295,192 @@
           </ac:spMkLst>
         </pc:spChg>
         <pc:spChg chg="add mod">
-          <ac:chgData name="witaya chaison" userId="aafc0013979b2c41" providerId="LiveId" clId="{51E1AACE-B3FE-42F7-8D91-AA55385465B2}" dt="2024-01-13T04:43:40.772" v="228" actId="20577"/>
+          <ac:chgData name="witaya chaison" userId="aafc0013979b2c41" providerId="LiveId" clId="{51E1AACE-B3FE-42F7-8D91-AA55385465B2}" dt="2024-01-13T06:37:21.876" v="380" actId="20577"/>
           <ac:spMkLst>
             <pc:docMk/>
             <pc:sldMk cId="2975294771" sldId="258"/>
             <ac:spMk id="4" creationId="{135AE14A-F405-25EE-3725-EB25A77DFEA1}"/>
           </ac:spMkLst>
         </pc:spChg>
+        <pc:picChg chg="add mod">
+          <ac:chgData name="witaya chaison" userId="aafc0013979b2c41" providerId="LiveId" clId="{51E1AACE-B3FE-42F7-8D91-AA55385465B2}" dt="2024-01-13T06:38:47.746" v="389" actId="1076"/>
+          <ac:picMkLst>
+            <pc:docMk/>
+            <pc:sldMk cId="2975294771" sldId="258"/>
+            <ac:picMk id="3" creationId="{79393B4A-3783-2D75-6497-12C1EA6B3B69}"/>
+          </ac:picMkLst>
+        </pc:picChg>
+        <pc:picChg chg="add mod">
+          <ac:chgData name="witaya chaison" userId="aafc0013979b2c41" providerId="LiveId" clId="{51E1AACE-B3FE-42F7-8D91-AA55385465B2}" dt="2024-01-13T06:38:46.869" v="388" actId="1076"/>
+          <ac:picMkLst>
+            <pc:docMk/>
+            <pc:sldMk cId="2975294771" sldId="258"/>
+            <ac:picMk id="6" creationId="{1C123965-032B-43A9-8FCE-8A6A84F5992E}"/>
+          </ac:picMkLst>
+        </pc:picChg>
+        <pc:picChg chg="add mod">
+          <ac:chgData name="witaya chaison" userId="aafc0013979b2c41" providerId="LiveId" clId="{51E1AACE-B3FE-42F7-8D91-AA55385465B2}" dt="2024-01-13T06:38:49.509" v="390" actId="1076"/>
+          <ac:picMkLst>
+            <pc:docMk/>
+            <pc:sldMk cId="2975294771" sldId="258"/>
+            <ac:picMk id="8" creationId="{974B6E83-EEB9-458E-8821-8880710AA922}"/>
+          </ac:picMkLst>
+        </pc:picChg>
+        <pc:picChg chg="add mod">
+          <ac:chgData name="witaya chaison" userId="aafc0013979b2c41" providerId="LiveId" clId="{51E1AACE-B3FE-42F7-8D91-AA55385465B2}" dt="2024-01-13T06:39:13.802" v="393" actId="1076"/>
+          <ac:picMkLst>
+            <pc:docMk/>
+            <pc:sldMk cId="2975294771" sldId="258"/>
+            <ac:picMk id="10" creationId="{DEE12936-732E-6392-65A2-652D0EE26726}"/>
+          </ac:picMkLst>
+        </pc:picChg>
       </pc:sldChg>
-      <pc:sldChg chg="new">
-        <pc:chgData name="witaya chaison" userId="aafc0013979b2c41" providerId="LiveId" clId="{51E1AACE-B3FE-42F7-8D91-AA55385465B2}" dt="2024-01-13T04:35:42.206" v="181" actId="680"/>
+      <pc:sldChg chg="addSp delSp modSp new mod">
+        <pc:chgData name="witaya chaison" userId="aafc0013979b2c41" providerId="LiveId" clId="{51E1AACE-B3FE-42F7-8D91-AA55385465B2}" dt="2024-01-13T06:53:34.192" v="453" actId="20577"/>
         <pc:sldMkLst>
           <pc:docMk/>
           <pc:sldMk cId="176034305" sldId="259"/>
         </pc:sldMkLst>
+        <pc:spChg chg="del">
+          <ac:chgData name="witaya chaison" userId="aafc0013979b2c41" providerId="LiveId" clId="{51E1AACE-B3FE-42F7-8D91-AA55385465B2}" dt="2024-01-13T06:41:49.335" v="395" actId="478"/>
+          <ac:spMkLst>
+            <pc:docMk/>
+            <pc:sldMk cId="176034305" sldId="259"/>
+            <ac:spMk id="2" creationId="{E2394F64-940F-3141-AE31-7C71FDE887E0}"/>
+          </ac:spMkLst>
+        </pc:spChg>
+        <pc:spChg chg="del">
+          <ac:chgData name="witaya chaison" userId="aafc0013979b2c41" providerId="LiveId" clId="{51E1AACE-B3FE-42F7-8D91-AA55385465B2}" dt="2024-01-13T06:41:48.421" v="394" actId="478"/>
+          <ac:spMkLst>
+            <pc:docMk/>
+            <pc:sldMk cId="176034305" sldId="259"/>
+            <ac:spMk id="3" creationId="{69CB2E1E-D634-AC3F-FA85-478526D82271}"/>
+          </ac:spMkLst>
+        </pc:spChg>
+        <pc:spChg chg="add mod">
+          <ac:chgData name="witaya chaison" userId="aafc0013979b2c41" providerId="LiveId" clId="{51E1AACE-B3FE-42F7-8D91-AA55385465B2}" dt="2024-01-13T06:53:34.192" v="453" actId="20577"/>
+          <ac:spMkLst>
+            <pc:docMk/>
+            <pc:sldMk cId="176034305" sldId="259"/>
+            <ac:spMk id="10" creationId="{3476742A-CE8C-D14D-734C-4398FF82B72E}"/>
+          </ac:spMkLst>
+        </pc:spChg>
+        <pc:picChg chg="add mod">
+          <ac:chgData name="witaya chaison" userId="aafc0013979b2c41" providerId="LiveId" clId="{51E1AACE-B3FE-42F7-8D91-AA55385465B2}" dt="2024-01-13T06:52:04.721" v="406" actId="14100"/>
+          <ac:picMkLst>
+            <pc:docMk/>
+            <pc:sldMk cId="176034305" sldId="259"/>
+            <ac:picMk id="5" creationId="{BEABA06A-1817-CA62-C939-B2E3FE0AE87D}"/>
+          </ac:picMkLst>
+        </pc:picChg>
+        <pc:picChg chg="add mod">
+          <ac:chgData name="witaya chaison" userId="aafc0013979b2c41" providerId="LiveId" clId="{51E1AACE-B3FE-42F7-8D91-AA55385465B2}" dt="2024-01-13T06:52:49.866" v="410" actId="1076"/>
+          <ac:picMkLst>
+            <pc:docMk/>
+            <pc:sldMk cId="176034305" sldId="259"/>
+            <ac:picMk id="7" creationId="{9E4A6ED4-FE75-D0A5-36AF-4C714A7F17F1}"/>
+          </ac:picMkLst>
+        </pc:picChg>
+        <pc:cxnChg chg="add">
+          <ac:chgData name="witaya chaison" userId="aafc0013979b2c41" providerId="LiveId" clId="{51E1AACE-B3FE-42F7-8D91-AA55385465B2}" dt="2024-01-13T06:53:05.424" v="411" actId="11529"/>
+          <ac:cxnSpMkLst>
+            <pc:docMk/>
+            <pc:sldMk cId="176034305" sldId="259"/>
+            <ac:cxnSpMk id="9" creationId="{693FD6D4-7BE8-E30E-545A-C2424E45671F}"/>
+          </ac:cxnSpMkLst>
+        </pc:cxnChg>
       </pc:sldChg>
-      <pc:sldChg chg="new">
-        <pc:chgData name="witaya chaison" userId="aafc0013979b2c41" providerId="LiveId" clId="{51E1AACE-B3FE-42F7-8D91-AA55385465B2}" dt="2024-01-13T04:35:43.947" v="182" actId="680"/>
+      <pc:sldChg chg="delSp new mod">
+        <pc:chgData name="witaya chaison" userId="aafc0013979b2c41" providerId="LiveId" clId="{51E1AACE-B3FE-42F7-8D91-AA55385465B2}" dt="2024-01-13T06:41:54.714" v="397" actId="478"/>
         <pc:sldMkLst>
           <pc:docMk/>
           <pc:sldMk cId="1486535379" sldId="260"/>
         </pc:sldMkLst>
+        <pc:spChg chg="del">
+          <ac:chgData name="witaya chaison" userId="aafc0013979b2c41" providerId="LiveId" clId="{51E1AACE-B3FE-42F7-8D91-AA55385465B2}" dt="2024-01-13T06:41:54.714" v="397" actId="478"/>
+          <ac:spMkLst>
+            <pc:docMk/>
+            <pc:sldMk cId="1486535379" sldId="260"/>
+            <ac:spMk id="2" creationId="{90DB7578-A4F7-F7AC-C371-BFCDB4D0521D}"/>
+          </ac:spMkLst>
+        </pc:spChg>
+        <pc:spChg chg="del">
+          <ac:chgData name="witaya chaison" userId="aafc0013979b2c41" providerId="LiveId" clId="{51E1AACE-B3FE-42F7-8D91-AA55385465B2}" dt="2024-01-13T06:41:52.987" v="396" actId="478"/>
+          <ac:spMkLst>
+            <pc:docMk/>
+            <pc:sldMk cId="1486535379" sldId="260"/>
+            <ac:spMk id="3" creationId="{742B2038-1923-2D3E-DD37-770A83E28735}"/>
+          </ac:spMkLst>
+        </pc:spChg>
       </pc:sldChg>
-      <pc:sldChg chg="new">
-        <pc:chgData name="witaya chaison" userId="aafc0013979b2c41" providerId="LiveId" clId="{51E1AACE-B3FE-42F7-8D91-AA55385465B2}" dt="2024-01-13T04:35:46.624" v="183" actId="680"/>
+      <pc:sldChg chg="delSp new mod">
+        <pc:chgData name="witaya chaison" userId="aafc0013979b2c41" providerId="LiveId" clId="{51E1AACE-B3FE-42F7-8D91-AA55385465B2}" dt="2024-01-13T06:41:58.148" v="399" actId="478"/>
         <pc:sldMkLst>
           <pc:docMk/>
           <pc:sldMk cId="2401643237" sldId="261"/>
         </pc:sldMkLst>
+        <pc:spChg chg="del">
+          <ac:chgData name="witaya chaison" userId="aafc0013979b2c41" providerId="LiveId" clId="{51E1AACE-B3FE-42F7-8D91-AA55385465B2}" dt="2024-01-13T06:41:58.148" v="399" actId="478"/>
+          <ac:spMkLst>
+            <pc:docMk/>
+            <pc:sldMk cId="2401643237" sldId="261"/>
+            <ac:spMk id="2" creationId="{A996E17C-038D-1DBC-50F2-BAE106A0332E}"/>
+          </ac:spMkLst>
+        </pc:spChg>
+        <pc:spChg chg="del">
+          <ac:chgData name="witaya chaison" userId="aafc0013979b2c41" providerId="LiveId" clId="{51E1AACE-B3FE-42F7-8D91-AA55385465B2}" dt="2024-01-13T06:41:57.473" v="398" actId="478"/>
+          <ac:spMkLst>
+            <pc:docMk/>
+            <pc:sldMk cId="2401643237" sldId="261"/>
+            <ac:spMk id="3" creationId="{5CCEC856-0E9B-41D2-6CC5-1DB4EFA17276}"/>
+          </ac:spMkLst>
+        </pc:spChg>
       </pc:sldChg>
-      <pc:sldChg chg="new">
-        <pc:chgData name="witaya chaison" userId="aafc0013979b2c41" providerId="LiveId" clId="{51E1AACE-B3FE-42F7-8D91-AA55385465B2}" dt="2024-01-13T04:35:47.984" v="184" actId="680"/>
+      <pc:sldChg chg="delSp new mod">
+        <pc:chgData name="witaya chaison" userId="aafc0013979b2c41" providerId="LiveId" clId="{51E1AACE-B3FE-42F7-8D91-AA55385465B2}" dt="2024-01-13T06:42:05.242" v="401" actId="478"/>
         <pc:sldMkLst>
           <pc:docMk/>
           <pc:sldMk cId="2410297165" sldId="262"/>
         </pc:sldMkLst>
+        <pc:spChg chg="del">
+          <ac:chgData name="witaya chaison" userId="aafc0013979b2c41" providerId="LiveId" clId="{51E1AACE-B3FE-42F7-8D91-AA55385465B2}" dt="2024-01-13T06:42:05.242" v="401" actId="478"/>
+          <ac:spMkLst>
+            <pc:docMk/>
+            <pc:sldMk cId="2410297165" sldId="262"/>
+            <ac:spMk id="2" creationId="{01101D39-EEB2-1F43-2B21-04304B192082}"/>
+          </ac:spMkLst>
+        </pc:spChg>
+        <pc:spChg chg="del">
+          <ac:chgData name="witaya chaison" userId="aafc0013979b2c41" providerId="LiveId" clId="{51E1AACE-B3FE-42F7-8D91-AA55385465B2}" dt="2024-01-13T06:42:03.656" v="400" actId="478"/>
+          <ac:spMkLst>
+            <pc:docMk/>
+            <pc:sldMk cId="2410297165" sldId="262"/>
+            <ac:spMk id="3" creationId="{93B66041-2D6C-2339-0813-188E1469B6AD}"/>
+          </ac:spMkLst>
+        </pc:spChg>
       </pc:sldChg>
-      <pc:sldChg chg="new">
-        <pc:chgData name="witaya chaison" userId="aafc0013979b2c41" providerId="LiveId" clId="{51E1AACE-B3FE-42F7-8D91-AA55385465B2}" dt="2024-01-13T04:35:49.291" v="185" actId="680"/>
+      <pc:sldChg chg="delSp new mod">
+        <pc:chgData name="witaya chaison" userId="aafc0013979b2c41" providerId="LiveId" clId="{51E1AACE-B3FE-42F7-8D91-AA55385465B2}" dt="2024-01-13T06:42:13.695" v="403" actId="478"/>
         <pc:sldMkLst>
           <pc:docMk/>
           <pc:sldMk cId="2653447416" sldId="263"/>
         </pc:sldMkLst>
+        <pc:spChg chg="del">
+          <ac:chgData name="witaya chaison" userId="aafc0013979b2c41" providerId="LiveId" clId="{51E1AACE-B3FE-42F7-8D91-AA55385465B2}" dt="2024-01-13T06:42:13.695" v="403" actId="478"/>
+          <ac:spMkLst>
+            <pc:docMk/>
+            <pc:sldMk cId="2653447416" sldId="263"/>
+            <ac:spMk id="2" creationId="{ACC76762-DB11-9149-4B7A-EE0659FD46C2}"/>
+          </ac:spMkLst>
+        </pc:spChg>
+        <pc:spChg chg="del">
+          <ac:chgData name="witaya chaison" userId="aafc0013979b2c41" providerId="LiveId" clId="{51E1AACE-B3FE-42F7-8D91-AA55385465B2}" dt="2024-01-13T06:42:12.136" v="402" actId="478"/>
+          <ac:spMkLst>
+            <pc:docMk/>
+            <pc:sldMk cId="2653447416" sldId="263"/>
+            <ac:spMk id="3" creationId="{2033D948-CBD3-39DA-F2ED-CDC0F467B053}"/>
+          </ac:spMkLst>
+        </pc:spChg>
       </pc:sldChg>
       <pc:sldChg chg="new">
         <pc:chgData name="witaya chaison" userId="aafc0013979b2c41" providerId="LiveId" clId="{51E1AACE-B3FE-42F7-8D91-AA55385465B2}" dt="2024-01-13T04:35:50.632" v="186" actId="680"/>
@@ -4138,7 +4282,7 @@
         <p:spPr>
           <a:xfrm>
             <a:off x="758952" y="521208"/>
-            <a:ext cx="6907981" cy="923330"/>
+            <a:ext cx="6907981" cy="2031325"/>
           </a:xfrm>
           <a:prstGeom prst="rect">
             <a:avLst/>
@@ -4174,10 +4318,202 @@
             <a:endParaRPr lang="en-US" dirty="0"/>
           </a:p>
           <a:p>
+            <a:r>
+              <a:rPr lang="th-TH" dirty="0"/>
+              <a:t>เอามาใส่หน้า </a:t>
+            </a:r>
+            <a:r>
+              <a:rPr lang="en-US" dirty="0"/>
+              <a:t>html   template/home  =</a:t>
+            </a:r>
+            <a:r>
+              <a:rPr lang="en-US" dirty="0">
+                <a:sym typeface="Wingdings" panose="05000000000000000000" pitchFamily="2" charset="2"/>
+              </a:rPr>
+              <a:t> Home.html</a:t>
+            </a:r>
+          </a:p>
+          <a:p>
+            <a:r>
+              <a:rPr lang="th-TH" dirty="0">
+                <a:sym typeface="Wingdings" panose="05000000000000000000" pitchFamily="2" charset="2"/>
+              </a:rPr>
+              <a:t>แก้ </a:t>
+            </a:r>
+            <a:r>
+              <a:rPr lang="en-US" dirty="0">
+                <a:sym typeface="Wingdings" panose="05000000000000000000" pitchFamily="2" charset="2"/>
+              </a:rPr>
+              <a:t>views </a:t>
+            </a:r>
+            <a:r>
+              <a:rPr lang="th-TH" dirty="0">
+                <a:sym typeface="Wingdings" panose="05000000000000000000" pitchFamily="2" charset="2"/>
+              </a:rPr>
+              <a:t> เป็น </a:t>
+            </a:r>
+            <a:r>
+              <a:rPr lang="en-US" dirty="0">
+                <a:sym typeface="Wingdings" panose="05000000000000000000" pitchFamily="2" charset="2"/>
+              </a:rPr>
+              <a:t> render  </a:t>
+            </a:r>
+          </a:p>
+          <a:p>
+            <a:r>
+              <a:rPr lang="th-TH" dirty="0">
+                <a:sym typeface="Wingdings" panose="05000000000000000000" pitchFamily="2" charset="2"/>
+              </a:rPr>
+              <a:t>แจ้ง </a:t>
+            </a:r>
+            <a:r>
+              <a:rPr lang="en-US" dirty="0">
+                <a:sym typeface="Wingdings" panose="05000000000000000000" pitchFamily="2" charset="2"/>
+              </a:rPr>
+              <a:t>project </a:t>
+            </a:r>
+            <a:r>
+              <a:rPr lang="th-TH" dirty="0">
+                <a:sym typeface="Wingdings" panose="05000000000000000000" pitchFamily="2" charset="2"/>
+              </a:rPr>
+              <a:t>ว่ามี </a:t>
+            </a:r>
+            <a:r>
+              <a:rPr lang="en-US" dirty="0">
+                <a:sym typeface="Wingdings" panose="05000000000000000000" pitchFamily="2" charset="2"/>
+              </a:rPr>
+              <a:t>template</a:t>
+            </a:r>
             <a:endParaRPr lang="en-US" dirty="0"/>
           </a:p>
-        </p:txBody>
-      </p:sp>
+          <a:p>
+            <a:endParaRPr lang="en-US" dirty="0"/>
+          </a:p>
+          <a:p>
+            <a:endParaRPr lang="en-US" dirty="0"/>
+          </a:p>
+        </p:txBody>
+      </p:sp>
+      <p:pic>
+        <p:nvPicPr>
+          <p:cNvPr id="3" name="Picture 2">
+            <a:extLst>
+              <a:ext uri="{FF2B5EF4-FFF2-40B4-BE49-F238E27FC236}">
+                <a16:creationId xmlns:a16="http://schemas.microsoft.com/office/drawing/2014/main" id="{79393B4A-3783-2D75-6497-12C1EA6B3B69}"/>
+              </a:ext>
+            </a:extLst>
+          </p:cNvPr>
+          <p:cNvPicPr>
+            <a:picLocks noChangeAspect="1"/>
+          </p:cNvPicPr>
+          <p:nvPr/>
+        </p:nvPicPr>
+        <p:blipFill>
+          <a:blip r:embed="rId3"/>
+          <a:stretch>
+            <a:fillRect/>
+          </a:stretch>
+        </p:blipFill>
+        <p:spPr>
+          <a:xfrm>
+            <a:off x="311193" y="2078668"/>
+            <a:ext cx="5998168" cy="2005102"/>
+          </a:xfrm>
+          <a:prstGeom prst="rect">
+            <a:avLst/>
+          </a:prstGeom>
+        </p:spPr>
+      </p:pic>
+      <p:pic>
+        <p:nvPicPr>
+          <p:cNvPr id="6" name="Picture 5">
+            <a:extLst>
+              <a:ext uri="{FF2B5EF4-FFF2-40B4-BE49-F238E27FC236}">
+                <a16:creationId xmlns:a16="http://schemas.microsoft.com/office/drawing/2014/main" id="{1C123965-032B-43A9-8FCE-8A6A84F5992E}"/>
+              </a:ext>
+            </a:extLst>
+          </p:cNvPr>
+          <p:cNvPicPr>
+            <a:picLocks noChangeAspect="1"/>
+          </p:cNvPicPr>
+          <p:nvPr/>
+        </p:nvPicPr>
+        <p:blipFill>
+          <a:blip r:embed="rId4"/>
+          <a:stretch>
+            <a:fillRect/>
+          </a:stretch>
+        </p:blipFill>
+        <p:spPr>
+          <a:xfrm>
+            <a:off x="194424" y="4415532"/>
+            <a:ext cx="7049484" cy="1848108"/>
+          </a:xfrm>
+          <a:prstGeom prst="rect">
+            <a:avLst/>
+          </a:prstGeom>
+        </p:spPr>
+      </p:pic>
+      <p:pic>
+        <p:nvPicPr>
+          <p:cNvPr id="8" name="Picture 7">
+            <a:extLst>
+              <a:ext uri="{FF2B5EF4-FFF2-40B4-BE49-F238E27FC236}">
+                <a16:creationId xmlns:a16="http://schemas.microsoft.com/office/drawing/2014/main" id="{974B6E83-EEB9-458E-8821-8880710AA922}"/>
+              </a:ext>
+            </a:extLst>
+          </p:cNvPr>
+          <p:cNvPicPr>
+            <a:picLocks noChangeAspect="1"/>
+          </p:cNvPicPr>
+          <p:nvPr/>
+        </p:nvPicPr>
+        <p:blipFill>
+          <a:blip r:embed="rId5"/>
+          <a:stretch>
+            <a:fillRect/>
+          </a:stretch>
+        </p:blipFill>
+        <p:spPr>
+          <a:xfrm>
+            <a:off x="6757120" y="2000051"/>
+            <a:ext cx="3038899" cy="1428949"/>
+          </a:xfrm>
+          <a:prstGeom prst="rect">
+            <a:avLst/>
+          </a:prstGeom>
+        </p:spPr>
+      </p:pic>
+      <p:pic>
+        <p:nvPicPr>
+          <p:cNvPr id="10" name="Picture 9">
+            <a:extLst>
+              <a:ext uri="{FF2B5EF4-FFF2-40B4-BE49-F238E27FC236}">
+                <a16:creationId xmlns:a16="http://schemas.microsoft.com/office/drawing/2014/main" id="{DEE12936-732E-6392-65A2-652D0EE26726}"/>
+              </a:ext>
+            </a:extLst>
+          </p:cNvPr>
+          <p:cNvPicPr>
+            <a:picLocks noChangeAspect="1"/>
+          </p:cNvPicPr>
+          <p:nvPr/>
+        </p:nvPicPr>
+        <p:blipFill>
+          <a:blip r:embed="rId6"/>
+          <a:stretch>
+            <a:fillRect/>
+          </a:stretch>
+        </p:blipFill>
+        <p:spPr>
+          <a:xfrm>
+            <a:off x="7666933" y="3894324"/>
+            <a:ext cx="3823252" cy="2442468"/>
+          </a:xfrm>
+          <a:prstGeom prst="rect">
+            <a:avLst/>
+          </a:prstGeom>
+        </p:spPr>
+      </p:pic>
     </p:spTree>
     <p:extLst>
       <p:ext uri="{BB962C8B-B14F-4D97-AF65-F5344CB8AC3E}">
@@ -4208,53 +4544,150 @@
           <a:chExt cx="0" cy="0"/>
         </a:xfrm>
       </p:grpSpPr>
-      <p:sp>
-        <p:nvSpPr>
-          <p:cNvPr id="2" name="Title 1">
-            <a:extLst>
-              <a:ext uri="{FF2B5EF4-FFF2-40B4-BE49-F238E27FC236}">
-                <a16:creationId xmlns:a16="http://schemas.microsoft.com/office/drawing/2014/main" id="{E2394F64-940F-3141-AE31-7C71FDE887E0}"/>
-              </a:ext>
-            </a:extLst>
-          </p:cNvPr>
-          <p:cNvSpPr>
-            <a:spLocks noGrp="1"/>
-          </p:cNvSpPr>
-          <p:nvPr>
-            <p:ph type="title"/>
-          </p:nvPr>
-        </p:nvSpPr>
-        <p:spPr/>
-        <p:txBody>
-          <a:bodyPr/>
-          <a:lstStyle/>
-          <a:p>
-            <a:endParaRPr lang="en-US"/>
-          </a:p>
-        </p:txBody>
-      </p:sp>
-      <p:sp>
-        <p:nvSpPr>
-          <p:cNvPr id="3" name="Content Placeholder 2">
-            <a:extLst>
-              <a:ext uri="{FF2B5EF4-FFF2-40B4-BE49-F238E27FC236}">
-                <a16:creationId xmlns:a16="http://schemas.microsoft.com/office/drawing/2014/main" id="{69CB2E1E-D634-AC3F-FA85-478526D82271}"/>
-              </a:ext>
-            </a:extLst>
-          </p:cNvPr>
-          <p:cNvSpPr>
-            <a:spLocks noGrp="1"/>
-          </p:cNvSpPr>
-          <p:nvPr>
-            <p:ph idx="1"/>
-          </p:nvPr>
-        </p:nvSpPr>
-        <p:spPr/>
-        <p:txBody>
-          <a:bodyPr/>
-          <a:lstStyle/>
-          <a:p>
-            <a:endParaRPr lang="en-US"/>
+      <p:pic>
+        <p:nvPicPr>
+          <p:cNvPr id="5" name="Picture 4">
+            <a:extLst>
+              <a:ext uri="{FF2B5EF4-FFF2-40B4-BE49-F238E27FC236}">
+                <a16:creationId xmlns:a16="http://schemas.microsoft.com/office/drawing/2014/main" id="{BEABA06A-1817-CA62-C939-B2E3FE0AE87D}"/>
+              </a:ext>
+            </a:extLst>
+          </p:cNvPr>
+          <p:cNvPicPr>
+            <a:picLocks noChangeAspect="1"/>
+          </p:cNvPicPr>
+          <p:nvPr/>
+        </p:nvPicPr>
+        <p:blipFill>
+          <a:blip r:embed="rId2"/>
+          <a:stretch>
+            <a:fillRect/>
+          </a:stretch>
+        </p:blipFill>
+        <p:spPr>
+          <a:xfrm>
+            <a:off x="365754" y="132890"/>
+            <a:ext cx="7452366" cy="3296110"/>
+          </a:xfrm>
+          <a:prstGeom prst="rect">
+            <a:avLst/>
+          </a:prstGeom>
+        </p:spPr>
+      </p:pic>
+      <p:pic>
+        <p:nvPicPr>
+          <p:cNvPr id="7" name="Picture 6">
+            <a:extLst>
+              <a:ext uri="{FF2B5EF4-FFF2-40B4-BE49-F238E27FC236}">
+                <a16:creationId xmlns:a16="http://schemas.microsoft.com/office/drawing/2014/main" id="{9E4A6ED4-FE75-D0A5-36AF-4C714A7F17F1}"/>
+              </a:ext>
+            </a:extLst>
+          </p:cNvPr>
+          <p:cNvPicPr>
+            <a:picLocks noChangeAspect="1"/>
+          </p:cNvPicPr>
+          <p:nvPr/>
+        </p:nvPicPr>
+        <p:blipFill>
+          <a:blip r:embed="rId3"/>
+          <a:stretch>
+            <a:fillRect/>
+          </a:stretch>
+        </p:blipFill>
+        <p:spPr>
+          <a:xfrm>
+            <a:off x="4672583" y="3032577"/>
+            <a:ext cx="6754863" cy="2155528"/>
+          </a:xfrm>
+          <a:prstGeom prst="rect">
+            <a:avLst/>
+          </a:prstGeom>
+        </p:spPr>
+      </p:pic>
+      <p:cxnSp>
+        <p:nvCxnSpPr>
+          <p:cNvPr id="9" name="Straight Arrow Connector 8">
+            <a:extLst>
+              <a:ext uri="{FF2B5EF4-FFF2-40B4-BE49-F238E27FC236}">
+                <a16:creationId xmlns:a16="http://schemas.microsoft.com/office/drawing/2014/main" id="{693FD6D4-7BE8-E30E-545A-C2424E45671F}"/>
+              </a:ext>
+            </a:extLst>
+          </p:cNvPr>
+          <p:cNvCxnSpPr/>
+          <p:nvPr/>
+        </p:nvCxnSpPr>
+        <p:spPr>
+          <a:xfrm>
+            <a:off x="1499616" y="2029968"/>
+            <a:ext cx="2788920" cy="1005840"/>
+          </a:xfrm>
+          <a:prstGeom prst="straightConnector1">
+            <a:avLst/>
+          </a:prstGeom>
+          <a:ln>
+            <a:tailEnd type="triangle"/>
+          </a:ln>
+        </p:spPr>
+        <p:style>
+          <a:lnRef idx="1">
+            <a:schemeClr val="accent1"/>
+          </a:lnRef>
+          <a:fillRef idx="0">
+            <a:schemeClr val="accent1"/>
+          </a:fillRef>
+          <a:effectRef idx="0">
+            <a:schemeClr val="accent1"/>
+          </a:effectRef>
+          <a:fontRef idx="minor">
+            <a:schemeClr val="tx1"/>
+          </a:fontRef>
+        </p:style>
+      </p:cxnSp>
+      <p:sp>
+        <p:nvSpPr>
+          <p:cNvPr id="10" name="TextBox 9">
+            <a:extLst>
+              <a:ext uri="{FF2B5EF4-FFF2-40B4-BE49-F238E27FC236}">
+                <a16:creationId xmlns:a16="http://schemas.microsoft.com/office/drawing/2014/main" id="{3476742A-CE8C-D14D-734C-4398FF82B72E}"/>
+              </a:ext>
+            </a:extLst>
+          </p:cNvPr>
+          <p:cNvSpPr txBox="1"/>
+          <p:nvPr/>
+        </p:nvSpPr>
+        <p:spPr>
+          <a:xfrm>
+            <a:off x="3493008" y="5907024"/>
+            <a:ext cx="3390800" cy="369332"/>
+          </a:xfrm>
+          <a:prstGeom prst="rect">
+            <a:avLst/>
+          </a:prstGeom>
+          <a:noFill/>
+        </p:spPr>
+        <p:txBody>
+          <a:bodyPr wrap="none" rtlCol="0">
+            <a:spAutoFit/>
+          </a:bodyPr>
+          <a:lstStyle/>
+          <a:p>
+            <a:r>
+              <a:rPr lang="en-US" dirty="0"/>
+              <a:t>Change from 6 to 4 </a:t>
+            </a:r>
+            <a:r>
+              <a:rPr lang="th-TH" dirty="0"/>
+              <a:t>เป็น </a:t>
+            </a:r>
+            <a:r>
+              <a:rPr lang="en-US" dirty="0"/>
+              <a:t>3 </a:t>
+            </a:r>
+            <a:r>
+              <a:rPr lang="th-TH" dirty="0"/>
+              <a:t>ช่องอยู่ด้วยกัน</a:t>
+            </a:r>
+            <a:endParaRPr lang="en-US" dirty="0"/>
           </a:p>
         </p:txBody>
       </p:sp>
@@ -4288,56 +4721,6 @@
           <a:chExt cx="0" cy="0"/>
         </a:xfrm>
       </p:grpSpPr>
-      <p:sp>
-        <p:nvSpPr>
-          <p:cNvPr id="2" name="Title 1">
-            <a:extLst>
-              <a:ext uri="{FF2B5EF4-FFF2-40B4-BE49-F238E27FC236}">
-                <a16:creationId xmlns:a16="http://schemas.microsoft.com/office/drawing/2014/main" id="{90DB7578-A4F7-F7AC-C371-BFCDB4D0521D}"/>
-              </a:ext>
-            </a:extLst>
-          </p:cNvPr>
-          <p:cNvSpPr>
-            <a:spLocks noGrp="1"/>
-          </p:cNvSpPr>
-          <p:nvPr>
-            <p:ph type="title"/>
-          </p:nvPr>
-        </p:nvSpPr>
-        <p:spPr/>
-        <p:txBody>
-          <a:bodyPr/>
-          <a:lstStyle/>
-          <a:p>
-            <a:endParaRPr lang="en-US"/>
-          </a:p>
-        </p:txBody>
-      </p:sp>
-      <p:sp>
-        <p:nvSpPr>
-          <p:cNvPr id="3" name="Content Placeholder 2">
-            <a:extLst>
-              <a:ext uri="{FF2B5EF4-FFF2-40B4-BE49-F238E27FC236}">
-                <a16:creationId xmlns:a16="http://schemas.microsoft.com/office/drawing/2014/main" id="{742B2038-1923-2D3E-DD37-770A83E28735}"/>
-              </a:ext>
-            </a:extLst>
-          </p:cNvPr>
-          <p:cNvSpPr>
-            <a:spLocks noGrp="1"/>
-          </p:cNvSpPr>
-          <p:nvPr>
-            <p:ph idx="1"/>
-          </p:nvPr>
-        </p:nvSpPr>
-        <p:spPr/>
-        <p:txBody>
-          <a:bodyPr/>
-          <a:lstStyle/>
-          <a:p>
-            <a:endParaRPr lang="en-US"/>
-          </a:p>
-        </p:txBody>
-      </p:sp>
     </p:spTree>
     <p:extLst>
       <p:ext uri="{BB962C8B-B14F-4D97-AF65-F5344CB8AC3E}">
@@ -4368,56 +4751,6 @@
           <a:chExt cx="0" cy="0"/>
         </a:xfrm>
       </p:grpSpPr>
-      <p:sp>
-        <p:nvSpPr>
-          <p:cNvPr id="2" name="Title 1">
-            <a:extLst>
-              <a:ext uri="{FF2B5EF4-FFF2-40B4-BE49-F238E27FC236}">
-                <a16:creationId xmlns:a16="http://schemas.microsoft.com/office/drawing/2014/main" id="{A996E17C-038D-1DBC-50F2-BAE106A0332E}"/>
-              </a:ext>
-            </a:extLst>
-          </p:cNvPr>
-          <p:cNvSpPr>
-            <a:spLocks noGrp="1"/>
-          </p:cNvSpPr>
-          <p:nvPr>
-            <p:ph type="title"/>
-          </p:nvPr>
-        </p:nvSpPr>
-        <p:spPr/>
-        <p:txBody>
-          <a:bodyPr/>
-          <a:lstStyle/>
-          <a:p>
-            <a:endParaRPr lang="en-US"/>
-          </a:p>
-        </p:txBody>
-      </p:sp>
-      <p:sp>
-        <p:nvSpPr>
-          <p:cNvPr id="3" name="Content Placeholder 2">
-            <a:extLst>
-              <a:ext uri="{FF2B5EF4-FFF2-40B4-BE49-F238E27FC236}">
-                <a16:creationId xmlns:a16="http://schemas.microsoft.com/office/drawing/2014/main" id="{5CCEC856-0E9B-41D2-6CC5-1DB4EFA17276}"/>
-              </a:ext>
-            </a:extLst>
-          </p:cNvPr>
-          <p:cNvSpPr>
-            <a:spLocks noGrp="1"/>
-          </p:cNvSpPr>
-          <p:nvPr>
-            <p:ph idx="1"/>
-          </p:nvPr>
-        </p:nvSpPr>
-        <p:spPr/>
-        <p:txBody>
-          <a:bodyPr/>
-          <a:lstStyle/>
-          <a:p>
-            <a:endParaRPr lang="en-US"/>
-          </a:p>
-        </p:txBody>
-      </p:sp>
     </p:spTree>
     <p:extLst>
       <p:ext uri="{BB962C8B-B14F-4D97-AF65-F5344CB8AC3E}">
@@ -4448,56 +4781,6 @@
           <a:chExt cx="0" cy="0"/>
         </a:xfrm>
       </p:grpSpPr>
-      <p:sp>
-        <p:nvSpPr>
-          <p:cNvPr id="2" name="Title 1">
-            <a:extLst>
-              <a:ext uri="{FF2B5EF4-FFF2-40B4-BE49-F238E27FC236}">
-                <a16:creationId xmlns:a16="http://schemas.microsoft.com/office/drawing/2014/main" id="{01101D39-EEB2-1F43-2B21-04304B192082}"/>
-              </a:ext>
-            </a:extLst>
-          </p:cNvPr>
-          <p:cNvSpPr>
-            <a:spLocks noGrp="1"/>
-          </p:cNvSpPr>
-          <p:nvPr>
-            <p:ph type="title"/>
-          </p:nvPr>
-        </p:nvSpPr>
-        <p:spPr/>
-        <p:txBody>
-          <a:bodyPr/>
-          <a:lstStyle/>
-          <a:p>
-            <a:endParaRPr lang="en-US"/>
-          </a:p>
-        </p:txBody>
-      </p:sp>
-      <p:sp>
-        <p:nvSpPr>
-          <p:cNvPr id="3" name="Content Placeholder 2">
-            <a:extLst>
-              <a:ext uri="{FF2B5EF4-FFF2-40B4-BE49-F238E27FC236}">
-                <a16:creationId xmlns:a16="http://schemas.microsoft.com/office/drawing/2014/main" id="{93B66041-2D6C-2339-0813-188E1469B6AD}"/>
-              </a:ext>
-            </a:extLst>
-          </p:cNvPr>
-          <p:cNvSpPr>
-            <a:spLocks noGrp="1"/>
-          </p:cNvSpPr>
-          <p:nvPr>
-            <p:ph idx="1"/>
-          </p:nvPr>
-        </p:nvSpPr>
-        <p:spPr/>
-        <p:txBody>
-          <a:bodyPr/>
-          <a:lstStyle/>
-          <a:p>
-            <a:endParaRPr lang="en-US"/>
-          </a:p>
-        </p:txBody>
-      </p:sp>
     </p:spTree>
     <p:extLst>
       <p:ext uri="{BB962C8B-B14F-4D97-AF65-F5344CB8AC3E}">
@@ -4528,56 +4811,6 @@
           <a:chExt cx="0" cy="0"/>
         </a:xfrm>
       </p:grpSpPr>
-      <p:sp>
-        <p:nvSpPr>
-          <p:cNvPr id="2" name="Title 1">
-            <a:extLst>
-              <a:ext uri="{FF2B5EF4-FFF2-40B4-BE49-F238E27FC236}">
-                <a16:creationId xmlns:a16="http://schemas.microsoft.com/office/drawing/2014/main" id="{ACC76762-DB11-9149-4B7A-EE0659FD46C2}"/>
-              </a:ext>
-            </a:extLst>
-          </p:cNvPr>
-          <p:cNvSpPr>
-            <a:spLocks noGrp="1"/>
-          </p:cNvSpPr>
-          <p:nvPr>
-            <p:ph type="title"/>
-          </p:nvPr>
-        </p:nvSpPr>
-        <p:spPr/>
-        <p:txBody>
-          <a:bodyPr/>
-          <a:lstStyle/>
-          <a:p>
-            <a:endParaRPr lang="en-US"/>
-          </a:p>
-        </p:txBody>
-      </p:sp>
-      <p:sp>
-        <p:nvSpPr>
-          <p:cNvPr id="3" name="Content Placeholder 2">
-            <a:extLst>
-              <a:ext uri="{FF2B5EF4-FFF2-40B4-BE49-F238E27FC236}">
-                <a16:creationId xmlns:a16="http://schemas.microsoft.com/office/drawing/2014/main" id="{2033D948-CBD3-39DA-F2ED-CDC0F467B053}"/>
-              </a:ext>
-            </a:extLst>
-          </p:cNvPr>
-          <p:cNvSpPr>
-            <a:spLocks noGrp="1"/>
-          </p:cNvSpPr>
-          <p:nvPr>
-            <p:ph idx="1"/>
-          </p:nvPr>
-        </p:nvSpPr>
-        <p:spPr/>
-        <p:txBody>
-          <a:bodyPr/>
-          <a:lstStyle/>
-          <a:p>
-            <a:endParaRPr lang="en-US"/>
-          </a:p>
-        </p:txBody>
-      </p:sp>
     </p:spTree>
     <p:extLst>
       <p:ext uri="{BB962C8B-B14F-4D97-AF65-F5344CB8AC3E}">
